--- a/CSharpProgramming/Presentations/ProgPartIII/Unit Tests.pptx
+++ b/CSharpProgramming/Presentations/ProgPartIII/Unit Tests.pptx
@@ -269,7 +269,7 @@
           <a:p>
             <a:fld id="{E15B7D8E-2A20-4C0E-991C-872DBB7459A8}" type="datetimeFigureOut">
               <a:rPr lang="da-DK" smtClean="0"/>
-              <a:t>03-10-2017</a:t>
+              <a:t>17-02-2018</a:t>
             </a:fld>
             <a:endParaRPr lang="da-DK"/>
           </a:p>
@@ -439,7 +439,7 @@
           <a:p>
             <a:fld id="{E15B7D8E-2A20-4C0E-991C-872DBB7459A8}" type="datetimeFigureOut">
               <a:rPr lang="da-DK" smtClean="0"/>
-              <a:t>03-10-2017</a:t>
+              <a:t>17-02-2018</a:t>
             </a:fld>
             <a:endParaRPr lang="da-DK"/>
           </a:p>
@@ -619,7 +619,7 @@
           <a:p>
             <a:fld id="{E15B7D8E-2A20-4C0E-991C-872DBB7459A8}" type="datetimeFigureOut">
               <a:rPr lang="da-DK" smtClean="0"/>
-              <a:t>03-10-2017</a:t>
+              <a:t>17-02-2018</a:t>
             </a:fld>
             <a:endParaRPr lang="da-DK"/>
           </a:p>
@@ -789,7 +789,7 @@
           <a:p>
             <a:fld id="{E15B7D8E-2A20-4C0E-991C-872DBB7459A8}" type="datetimeFigureOut">
               <a:rPr lang="da-DK" smtClean="0"/>
-              <a:t>03-10-2017</a:t>
+              <a:t>17-02-2018</a:t>
             </a:fld>
             <a:endParaRPr lang="da-DK"/>
           </a:p>
@@ -1035,7 +1035,7 @@
           <a:p>
             <a:fld id="{E15B7D8E-2A20-4C0E-991C-872DBB7459A8}" type="datetimeFigureOut">
               <a:rPr lang="da-DK" smtClean="0"/>
-              <a:t>03-10-2017</a:t>
+              <a:t>17-02-2018</a:t>
             </a:fld>
             <a:endParaRPr lang="da-DK"/>
           </a:p>
@@ -1267,7 +1267,7 @@
           <a:p>
             <a:fld id="{E15B7D8E-2A20-4C0E-991C-872DBB7459A8}" type="datetimeFigureOut">
               <a:rPr lang="da-DK" smtClean="0"/>
-              <a:t>03-10-2017</a:t>
+              <a:t>17-02-2018</a:t>
             </a:fld>
             <a:endParaRPr lang="da-DK"/>
           </a:p>
@@ -1634,7 +1634,7 @@
           <a:p>
             <a:fld id="{E15B7D8E-2A20-4C0E-991C-872DBB7459A8}" type="datetimeFigureOut">
               <a:rPr lang="da-DK" smtClean="0"/>
-              <a:t>03-10-2017</a:t>
+              <a:t>17-02-2018</a:t>
             </a:fld>
             <a:endParaRPr lang="da-DK"/>
           </a:p>
@@ -1752,7 +1752,7 @@
           <a:p>
             <a:fld id="{E15B7D8E-2A20-4C0E-991C-872DBB7459A8}" type="datetimeFigureOut">
               <a:rPr lang="da-DK" smtClean="0"/>
-              <a:t>03-10-2017</a:t>
+              <a:t>17-02-2018</a:t>
             </a:fld>
             <a:endParaRPr lang="da-DK"/>
           </a:p>
@@ -1847,7 +1847,7 @@
           <a:p>
             <a:fld id="{E15B7D8E-2A20-4C0E-991C-872DBB7459A8}" type="datetimeFigureOut">
               <a:rPr lang="da-DK" smtClean="0"/>
-              <a:t>03-10-2017</a:t>
+              <a:t>17-02-2018</a:t>
             </a:fld>
             <a:endParaRPr lang="da-DK"/>
           </a:p>
@@ -2124,7 +2124,7 @@
           <a:p>
             <a:fld id="{E15B7D8E-2A20-4C0E-991C-872DBB7459A8}" type="datetimeFigureOut">
               <a:rPr lang="da-DK" smtClean="0"/>
-              <a:t>03-10-2017</a:t>
+              <a:t>17-02-2018</a:t>
             </a:fld>
             <a:endParaRPr lang="da-DK"/>
           </a:p>
@@ -2377,7 +2377,7 @@
           <a:p>
             <a:fld id="{E15B7D8E-2A20-4C0E-991C-872DBB7459A8}" type="datetimeFigureOut">
               <a:rPr lang="da-DK" smtClean="0"/>
-              <a:t>03-10-2017</a:t>
+              <a:t>17-02-2018</a:t>
             </a:fld>
             <a:endParaRPr lang="da-DK"/>
           </a:p>
@@ -2590,7 +2590,7 @@
           <a:p>
             <a:fld id="{E15B7D8E-2A20-4C0E-991C-872DBB7459A8}" type="datetimeFigureOut">
               <a:rPr lang="da-DK" smtClean="0"/>
-              <a:t>03-10-2017</a:t>
+              <a:t>17-02-2018</a:t>
             </a:fld>
             <a:endParaRPr lang="da-DK"/>
           </a:p>
@@ -3096,11 +3096,11 @@
   <p:clrMapOvr>
     <a:masterClrMapping/>
   </p:clrMapOvr>
-  <mc:AlternateContent xmlns:mc="http://schemas.openxmlformats.org/markup-compatibility/2006">
-    <mc:Choice xmlns:p14="http://schemas.microsoft.com/office/powerpoint/2010/main" Requires="p14">
+  <mc:AlternateContent xmlns:mc="http://schemas.openxmlformats.org/markup-compatibility/2006" xmlns:p14="http://schemas.microsoft.com/office/powerpoint/2010/main">
+    <mc:Choice Requires="p14">
       <p:transition p14:dur="0"/>
     </mc:Choice>
-    <mc:Fallback>
+    <mc:Fallback xmlns="">
       <p:transition/>
     </mc:Fallback>
   </mc:AlternateContent>
@@ -3165,11 +3165,11 @@
   <p:clrMapOvr>
     <a:masterClrMapping/>
   </p:clrMapOvr>
-  <mc:AlternateContent xmlns:mc="http://schemas.openxmlformats.org/markup-compatibility/2006">
-    <mc:Choice xmlns:p14="http://schemas.microsoft.com/office/powerpoint/2010/main" Requires="p14">
+  <mc:AlternateContent xmlns:mc="http://schemas.openxmlformats.org/markup-compatibility/2006" xmlns:p14="http://schemas.microsoft.com/office/powerpoint/2010/main">
+    <mc:Choice Requires="p14">
       <p:transition p14:dur="0"/>
     </mc:Choice>
-    <mc:Fallback>
+    <mc:Fallback xmlns="">
       <p:transition/>
     </mc:Fallback>
   </mc:AlternateContent>
@@ -3232,11 +3232,11 @@
   <p:clrMapOvr>
     <a:masterClrMapping/>
   </p:clrMapOvr>
-  <mc:AlternateContent xmlns:mc="http://schemas.openxmlformats.org/markup-compatibility/2006">
-    <mc:Choice xmlns:p14="http://schemas.microsoft.com/office/powerpoint/2010/main" Requires="p14">
+  <mc:AlternateContent xmlns:mc="http://schemas.openxmlformats.org/markup-compatibility/2006" xmlns:p14="http://schemas.microsoft.com/office/powerpoint/2010/main">
+    <mc:Choice Requires="p14">
       <p:transition p14:dur="0"/>
     </mc:Choice>
-    <mc:Fallback>
+    <mc:Fallback xmlns="">
       <p:transition/>
     </mc:Fallback>
   </mc:AlternateContent>
@@ -3299,11 +3299,11 @@
   <p:clrMapOvr>
     <a:masterClrMapping/>
   </p:clrMapOvr>
-  <mc:AlternateContent xmlns:mc="http://schemas.openxmlformats.org/markup-compatibility/2006">
-    <mc:Choice xmlns:p14="http://schemas.microsoft.com/office/powerpoint/2010/main" Requires="p14">
+  <mc:AlternateContent xmlns:mc="http://schemas.openxmlformats.org/markup-compatibility/2006" xmlns:p14="http://schemas.microsoft.com/office/powerpoint/2010/main">
+    <mc:Choice Requires="p14">
       <p:transition p14:dur="0"/>
     </mc:Choice>
-    <mc:Fallback>
+    <mc:Fallback xmlns="">
       <p:transition/>
     </mc:Fallback>
   </mc:AlternateContent>
@@ -3366,11 +3366,11 @@
   <p:clrMapOvr>
     <a:masterClrMapping/>
   </p:clrMapOvr>
-  <mc:AlternateContent xmlns:mc="http://schemas.openxmlformats.org/markup-compatibility/2006">
-    <mc:Choice xmlns:p14="http://schemas.microsoft.com/office/powerpoint/2010/main" Requires="p14">
+  <mc:AlternateContent xmlns:mc="http://schemas.openxmlformats.org/markup-compatibility/2006" xmlns:p14="http://schemas.microsoft.com/office/powerpoint/2010/main">
+    <mc:Choice Requires="p14">
       <p:transition p14:dur="0"/>
     </mc:Choice>
-    <mc:Fallback>
+    <mc:Fallback xmlns="">
       <p:transition/>
     </mc:Fallback>
   </mc:AlternateContent>
@@ -3433,11 +3433,11 @@
   <p:clrMapOvr>
     <a:masterClrMapping/>
   </p:clrMapOvr>
-  <mc:AlternateContent xmlns:mc="http://schemas.openxmlformats.org/markup-compatibility/2006">
-    <mc:Choice xmlns:p14="http://schemas.microsoft.com/office/powerpoint/2010/main" Requires="p14">
+  <mc:AlternateContent xmlns:mc="http://schemas.openxmlformats.org/markup-compatibility/2006" xmlns:p14="http://schemas.microsoft.com/office/powerpoint/2010/main">
+    <mc:Choice Requires="p14">
       <p:transition p14:dur="0"/>
     </mc:Choice>
-    <mc:Fallback>
+    <mc:Fallback xmlns="">
       <p:transition/>
     </mc:Fallback>
   </mc:AlternateContent>
@@ -3502,11 +3502,11 @@
   <p:clrMapOvr>
     <a:masterClrMapping/>
   </p:clrMapOvr>
-  <mc:AlternateContent xmlns:mc="http://schemas.openxmlformats.org/markup-compatibility/2006">
-    <mc:Choice xmlns:p14="http://schemas.microsoft.com/office/powerpoint/2010/main" Requires="p14">
+  <mc:AlternateContent xmlns:mc="http://schemas.openxmlformats.org/markup-compatibility/2006" xmlns:p14="http://schemas.microsoft.com/office/powerpoint/2010/main">
+    <mc:Choice Requires="p14">
       <p:transition p14:dur="0"/>
     </mc:Choice>
-    <mc:Fallback>
+    <mc:Fallback xmlns="">
       <p:transition/>
     </mc:Fallback>
   </mc:AlternateContent>
@@ -3553,10 +3553,10 @@
           <a:lstStyle/>
           <a:p>
             <a:r>
-              <a:rPr lang="da-DK" smtClean="0"/>
+              <a:rPr lang="da-DK" b="1" smtClean="0"/>
               <a:t>Live Unit Testing</a:t>
             </a:r>
-            <a:endParaRPr lang="da-DK"/>
+            <a:endParaRPr lang="da-DK" b="1"/>
           </a:p>
         </p:txBody>
       </p:sp>
@@ -3577,19 +3577,25 @@
           <a:p>
             <a:r>
               <a:rPr lang="da-DK" smtClean="0"/>
-              <a:t>Kører ”i baggrunden” mens man skriver kode</a:t>
-            </a:r>
-          </a:p>
-          <a:p>
-            <a:r>
-              <a:rPr lang="da-DK" smtClean="0"/>
-              <a:t>Real-time feedback på ændringer</a:t>
-            </a:r>
+              <a:t>Runs in the background while you write code</a:t>
+            </a:r>
+            <a:endParaRPr lang="da-DK" smtClean="0"/>
+          </a:p>
+          <a:p>
+            <a:r>
+              <a:rPr lang="da-DK" smtClean="0"/>
+              <a:t>Real-time </a:t>
+            </a:r>
+            <a:r>
+              <a:rPr lang="da-DK" smtClean="0"/>
+              <a:t>feedback</a:t>
+            </a:r>
+            <a:endParaRPr lang="da-DK" smtClean="0"/>
           </a:p>
           <a:p>
             <a:r>
               <a:rPr lang="en-US" smtClean="0"/>
-              <a:t>Startes ved: </a:t>
+              <a:t>Enable by choosing </a:t>
             </a:r>
             <a:r>
               <a:rPr lang="en-US" b="1"/>
@@ -3672,11 +3678,11 @@
   <p:clrMapOvr>
     <a:masterClrMapping/>
   </p:clrMapOvr>
-  <mc:AlternateContent xmlns:mc="http://schemas.openxmlformats.org/markup-compatibility/2006">
-    <mc:Choice xmlns:p14="http://schemas.microsoft.com/office/powerpoint/2010/main" Requires="p14">
+  <mc:AlternateContent xmlns:mc="http://schemas.openxmlformats.org/markup-compatibility/2006" xmlns:p14="http://schemas.microsoft.com/office/powerpoint/2010/main">
+    <mc:Choice Requires="p14">
       <p:transition p14:dur="0"/>
     </mc:Choice>
-    <mc:Fallback>
+    <mc:Fallback xmlns="">
       <p:transition/>
     </mc:Fallback>
   </mc:AlternateContent>
@@ -3739,11 +3745,11 @@
   <p:clrMapOvr>
     <a:masterClrMapping/>
   </p:clrMapOvr>
-  <mc:AlternateContent xmlns:mc="http://schemas.openxmlformats.org/markup-compatibility/2006">
-    <mc:Choice xmlns:p14="http://schemas.microsoft.com/office/powerpoint/2010/main" Requires="p14">
+  <mc:AlternateContent xmlns:mc="http://schemas.openxmlformats.org/markup-compatibility/2006" xmlns:p14="http://schemas.microsoft.com/office/powerpoint/2010/main">
+    <mc:Choice Requires="p14">
       <p:transition p14:dur="0"/>
     </mc:Choice>
-    <mc:Fallback>
+    <mc:Fallback xmlns="">
       <p:transition/>
     </mc:Fallback>
   </mc:AlternateContent>
@@ -3818,12 +3824,21 @@
             </a:pPr>
             <a:r>
               <a:rPr lang="da-DK" b="1" smtClean="0"/>
-              <a:t>Skriv Unit Test </a:t>
-            </a:r>
-            <a:r>
-              <a:rPr lang="da-DK" smtClean="0"/>
-              <a:t>baseret på kravspecifikation</a:t>
-            </a:r>
+              <a:t>Write </a:t>
+            </a:r>
+            <a:r>
+              <a:rPr lang="da-DK" b="1" smtClean="0"/>
+              <a:t>Unit </a:t>
+            </a:r>
+            <a:r>
+              <a:rPr lang="da-DK" b="1" smtClean="0"/>
+              <a:t>Tests </a:t>
+            </a:r>
+            <a:r>
+              <a:rPr lang="da-DK" smtClean="0"/>
+              <a:t>based on requirement specifications</a:t>
+            </a:r>
+            <a:endParaRPr lang="da-DK" smtClean="0"/>
           </a:p>
           <a:p>
             <a:pPr marL="514350" indent="-514350">
@@ -3832,12 +3847,13 @@
             </a:pPr>
             <a:r>
               <a:rPr lang="da-DK" b="1" smtClean="0"/>
-              <a:t>Skriv kode </a:t>
-            </a:r>
-            <a:r>
-              <a:rPr lang="da-DK" smtClean="0"/>
-              <a:t>(mål: alle tests skal blive grønne)</a:t>
-            </a:r>
+              <a:t>Write code </a:t>
+            </a:r>
+            <a:r>
+              <a:rPr lang="da-DK" smtClean="0"/>
+              <a:t>(goal: turn all Unit Tests green)</a:t>
+            </a:r>
+            <a:endParaRPr lang="da-DK" smtClean="0"/>
           </a:p>
           <a:p>
             <a:pPr marL="514350" indent="-514350">
@@ -3846,12 +3862,13 @@
             </a:pPr>
             <a:r>
               <a:rPr lang="da-DK" b="1" smtClean="0"/>
-              <a:t>Kør tests</a:t>
-            </a:r>
-            <a:r>
-              <a:rPr lang="da-DK" smtClean="0"/>
-              <a:t>: hvis fejl, gå til 2</a:t>
-            </a:r>
+              <a:t>Run Unit Tests</a:t>
+            </a:r>
+            <a:r>
+              <a:rPr lang="da-DK" smtClean="0"/>
+              <a:t>: if any tests fail, go to 2</a:t>
+            </a:r>
+            <a:endParaRPr lang="da-DK" smtClean="0"/>
           </a:p>
           <a:p>
             <a:pPr marL="514350" indent="-514350">
@@ -3860,26 +3877,32 @@
             </a:pPr>
             <a:r>
               <a:rPr lang="da-DK" b="1" smtClean="0"/>
-              <a:t>Refaktorisér kode</a:t>
-            </a:r>
-            <a:r>
-              <a:rPr lang="da-DK" smtClean="0"/>
-              <a:t>. Mål</a:t>
-            </a:r>
+              <a:t>Refactor code</a:t>
+            </a:r>
+            <a:r>
+              <a:rPr lang="da-DK" smtClean="0"/>
+              <a:t>. Goals:</a:t>
+            </a:r>
+            <a:endParaRPr lang="da-DK" smtClean="0"/>
           </a:p>
           <a:p>
             <a:pPr lvl="1"/>
             <a:r>
               <a:rPr lang="da-DK" smtClean="0"/>
-              <a:t>Kode af højere kvalitet (?)</a:t>
+              <a:t>Increase code quality </a:t>
+            </a:r>
+            <a:r>
+              <a:rPr lang="da-DK" smtClean="0"/>
+              <a:t>(?)</a:t>
             </a:r>
           </a:p>
           <a:p>
             <a:pPr lvl="1"/>
             <a:r>
               <a:rPr lang="da-DK" smtClean="0"/>
-              <a:t>Alle tests forbliver grønne</a:t>
-            </a:r>
+              <a:t>Keep all Unit Tests green</a:t>
+            </a:r>
+            <a:endParaRPr lang="da-DK" smtClean="0"/>
           </a:p>
           <a:p>
             <a:pPr marL="0" indent="0">
@@ -3958,11 +3981,11 @@
   <p:clrMapOvr>
     <a:masterClrMapping/>
   </p:clrMapOvr>
-  <mc:AlternateContent xmlns:mc="http://schemas.openxmlformats.org/markup-compatibility/2006">
-    <mc:Choice xmlns:p14="http://schemas.microsoft.com/office/powerpoint/2010/main" Requires="p14">
+  <mc:AlternateContent xmlns:mc="http://schemas.openxmlformats.org/markup-compatibility/2006" xmlns:p14="http://schemas.microsoft.com/office/powerpoint/2010/main">
+    <mc:Choice Requires="p14">
       <p:transition p14:dur="0"/>
     </mc:Choice>
-    <mc:Fallback>
+    <mc:Fallback xmlns="">
       <p:transition/>
     </mc:Fallback>
   </mc:AlternateContent>
@@ -4009,10 +4032,10 @@
           <a:lstStyle/>
           <a:p>
             <a:r>
-              <a:rPr lang="da-DK" i="1" smtClean="0"/>
+              <a:rPr lang="da-DK" b="1" smtClean="0"/>
               <a:t>Code coverage</a:t>
             </a:r>
-            <a:endParaRPr lang="da-DK" i="1"/>
+            <a:endParaRPr lang="da-DK" b="1"/>
           </a:p>
         </p:txBody>
       </p:sp>
@@ -4029,7 +4052,7 @@
         <p:spPr>
           <a:xfrm>
             <a:off x="838200" y="1825625"/>
-            <a:ext cx="8684795" cy="4351338"/>
+            <a:ext cx="6855995" cy="4351338"/>
           </a:xfrm>
         </p:spPr>
         <p:txBody>
@@ -4038,19 +4061,21 @@
           <a:p>
             <a:r>
               <a:rPr lang="da-DK" smtClean="0"/>
-              <a:t>Bliver alle dele af koden ”aktiveret” af Unit Testen?</a:t>
-            </a:r>
-          </a:p>
-          <a:p>
-            <a:r>
-              <a:rPr lang="da-DK" smtClean="0"/>
-              <a:t>Som minimum bør alle linjer kode være berørt af mindst én Unit Test </a:t>
-            </a:r>
+              <a:t>Are all parts of the code ”touched” by the Unit Test?</a:t>
+            </a:r>
+            <a:endParaRPr lang="da-DK" smtClean="0"/>
+          </a:p>
+          <a:p>
+            <a:r>
+              <a:rPr lang="da-DK" smtClean="0"/>
+              <a:t>All lines of code should be covered by at least one Unit Test case</a:t>
+            </a:r>
+            <a:endParaRPr lang="da-DK" smtClean="0"/>
           </a:p>
           <a:p>
             <a:r>
               <a:rPr lang="en-US" smtClean="0"/>
-              <a:t>Startes ved </a:t>
+              <a:t>Start code coverage analysis by choosing </a:t>
             </a:r>
             <a:r>
               <a:rPr lang="en-US" b="1" smtClean="0"/>
@@ -4058,11 +4083,7 @@
             </a:r>
             <a:r>
               <a:rPr lang="en-US" b="1"/>
-              <a:t>| Analyze Code Coverage | </a:t>
-            </a:r>
-            <a:r>
-              <a:rPr lang="en-US" b="1"/>
-              <a:t>All </a:t>
+              <a:t>| Analyze Code Coverage | All </a:t>
             </a:r>
             <a:r>
               <a:rPr lang="en-US" b="1" smtClean="0"/>
@@ -4163,11 +4184,11 @@
   <p:clrMapOvr>
     <a:masterClrMapping/>
   </p:clrMapOvr>
-  <mc:AlternateContent xmlns:mc="http://schemas.openxmlformats.org/markup-compatibility/2006">
-    <mc:Choice xmlns:p14="http://schemas.microsoft.com/office/powerpoint/2010/main" Requires="p14">
+  <mc:AlternateContent xmlns:mc="http://schemas.openxmlformats.org/markup-compatibility/2006" xmlns:p14="http://schemas.microsoft.com/office/powerpoint/2010/main">
+    <mc:Choice Requires="p14">
       <p:transition p14:dur="0"/>
     </mc:Choice>
-    <mc:Fallback>
+    <mc:Fallback xmlns="">
       <p:transition/>
     </mc:Fallback>
   </mc:AlternateContent>
@@ -4232,11 +4253,11 @@
   <p:clrMapOvr>
     <a:masterClrMapping/>
   </p:clrMapOvr>
-  <mc:AlternateContent xmlns:mc="http://schemas.openxmlformats.org/markup-compatibility/2006">
-    <mc:Choice xmlns:p14="http://schemas.microsoft.com/office/powerpoint/2010/main" Requires="p14">
+  <mc:AlternateContent xmlns:mc="http://schemas.openxmlformats.org/markup-compatibility/2006" xmlns:p14="http://schemas.microsoft.com/office/powerpoint/2010/main">
+    <mc:Choice Requires="p14">
       <p:transition p14:dur="0"/>
     </mc:Choice>
-    <mc:Fallback>
+    <mc:Fallback xmlns="">
       <p:transition/>
     </mc:Fallback>
   </mc:AlternateContent>
@@ -4301,11 +4322,11 @@
   <p:clrMapOvr>
     <a:masterClrMapping/>
   </p:clrMapOvr>
-  <mc:AlternateContent xmlns:mc="http://schemas.openxmlformats.org/markup-compatibility/2006">
-    <mc:Choice xmlns:p14="http://schemas.microsoft.com/office/powerpoint/2010/main" Requires="p14">
+  <mc:AlternateContent xmlns:mc="http://schemas.openxmlformats.org/markup-compatibility/2006" xmlns:p14="http://schemas.microsoft.com/office/powerpoint/2010/main">
+    <mc:Choice Requires="p14">
       <p:transition p14:dur="0"/>
     </mc:Choice>
-    <mc:Fallback>
+    <mc:Fallback xmlns="">
       <p:transition/>
     </mc:Fallback>
   </mc:AlternateContent>
@@ -4370,11 +4391,11 @@
   <p:clrMapOvr>
     <a:masterClrMapping/>
   </p:clrMapOvr>
-  <mc:AlternateContent xmlns:mc="http://schemas.openxmlformats.org/markup-compatibility/2006">
-    <mc:Choice xmlns:p14="http://schemas.microsoft.com/office/powerpoint/2010/main" Requires="p14">
+  <mc:AlternateContent xmlns:mc="http://schemas.openxmlformats.org/markup-compatibility/2006" xmlns:p14="http://schemas.microsoft.com/office/powerpoint/2010/main">
+    <mc:Choice Requires="p14">
       <p:transition p14:dur="0"/>
     </mc:Choice>
-    <mc:Fallback>
+    <mc:Fallback xmlns="">
       <p:transition/>
     </mc:Fallback>
   </mc:AlternateContent>
@@ -4439,11 +4460,11 @@
   <p:clrMapOvr>
     <a:masterClrMapping/>
   </p:clrMapOvr>
-  <mc:AlternateContent xmlns:mc="http://schemas.openxmlformats.org/markup-compatibility/2006">
-    <mc:Choice xmlns:p14="http://schemas.microsoft.com/office/powerpoint/2010/main" Requires="p14">
+  <mc:AlternateContent xmlns:mc="http://schemas.openxmlformats.org/markup-compatibility/2006" xmlns:p14="http://schemas.microsoft.com/office/powerpoint/2010/main">
+    <mc:Choice Requires="p14">
       <p:transition p14:dur="0"/>
     </mc:Choice>
-    <mc:Fallback>
+    <mc:Fallback xmlns="">
       <p:transition/>
     </mc:Fallback>
   </mc:AlternateContent>
@@ -4508,11 +4529,11 @@
   <p:clrMapOvr>
     <a:masterClrMapping/>
   </p:clrMapOvr>
-  <mc:AlternateContent xmlns:mc="http://schemas.openxmlformats.org/markup-compatibility/2006">
-    <mc:Choice xmlns:p14="http://schemas.microsoft.com/office/powerpoint/2010/main" Requires="p14">
+  <mc:AlternateContent xmlns:mc="http://schemas.openxmlformats.org/markup-compatibility/2006" xmlns:p14="http://schemas.microsoft.com/office/powerpoint/2010/main">
+    <mc:Choice Requires="p14">
       <p:transition p14:dur="0"/>
     </mc:Choice>
-    <mc:Fallback>
+    <mc:Fallback xmlns="">
       <p:transition/>
     </mc:Fallback>
   </mc:AlternateContent>
@@ -4629,10 +4650,10 @@
           <a:lstStyle/>
           <a:p>
             <a:r>
-              <a:rPr lang="da-DK" smtClean="0"/>
-              <a:t>Struktur for Unit Test</a:t>
-            </a:r>
-            <a:endParaRPr lang="da-DK"/>
+              <a:rPr lang="da-DK" b="1" smtClean="0"/>
+              <a:t>Unit Test Structure</a:t>
+            </a:r>
+            <a:endParaRPr lang="da-DK" b="1"/>
           </a:p>
         </p:txBody>
       </p:sp>
@@ -4661,8 +4682,13 @@
             </a:r>
             <a:r>
               <a:rPr lang="da-DK" smtClean="0"/>
-              <a:t>: Skab scenarie for denne specifikke test</a:t>
-            </a:r>
+              <a:t>: </a:t>
+            </a:r>
+            <a:r>
+              <a:rPr lang="da-DK" smtClean="0"/>
+              <a:t>Create scenario for this specific test</a:t>
+            </a:r>
+            <a:endParaRPr lang="da-DK" smtClean="0"/>
           </a:p>
           <a:p>
             <a:pPr marL="514350" indent="-514350">
@@ -4675,8 +4701,13 @@
             </a:r>
             <a:r>
               <a:rPr lang="da-DK" smtClean="0"/>
-              <a:t>: Udfør testen – typisk et enkelt metodekald</a:t>
-            </a:r>
+              <a:t>: </a:t>
+            </a:r>
+            <a:r>
+              <a:rPr lang="da-DK" smtClean="0"/>
+              <a:t>Perform the test (e.g. a single method call)</a:t>
+            </a:r>
+            <a:endParaRPr lang="da-DK" smtClean="0"/>
           </a:p>
           <a:p>
             <a:pPr marL="514350" indent="-514350">
@@ -4689,8 +4720,17 @@
             </a:r>
             <a:r>
               <a:rPr lang="da-DK" smtClean="0"/>
-              <a:t>: sammenlign forventet og reelt resultat</a:t>
-            </a:r>
+              <a:t>: </a:t>
+            </a:r>
+            <a:r>
+              <a:rPr lang="da-DK"/>
+              <a:t>C</a:t>
+            </a:r>
+            <a:r>
+              <a:rPr lang="da-DK" smtClean="0"/>
+              <a:t>ompare expected and actual result of the test</a:t>
+            </a:r>
+            <a:endParaRPr lang="da-DK" smtClean="0"/>
           </a:p>
           <a:p>
             <a:pPr marL="514350" indent="-514350">
@@ -4711,8 +4751,15 @@
                   </a:schemeClr>
                 </a:solidFill>
               </a:rPr>
-              <a:t>SUCCES</a:t>
-            </a:r>
+              <a:t>SUCCESS</a:t>
+            </a:r>
+            <a:endParaRPr lang="da-DK" sz="7200" b="1" smtClean="0">
+              <a:solidFill>
+                <a:schemeClr val="accent6">
+                  <a:lumMod val="75000"/>
+                </a:schemeClr>
+              </a:solidFill>
+            </a:endParaRPr>
           </a:p>
           <a:p>
             <a:pPr marL="0" indent="0" algn="ctr">
@@ -4724,8 +4771,13 @@
                   <a:srgbClr val="FF0000"/>
                 </a:solidFill>
               </a:rPr>
-              <a:t>FEJL</a:t>
-            </a:r>
+              <a:t>FAIL</a:t>
+            </a:r>
+            <a:endParaRPr lang="da-DK" sz="7200" b="1" smtClean="0">
+              <a:solidFill>
+                <a:srgbClr val="FF0000"/>
+              </a:solidFill>
+            </a:endParaRPr>
           </a:p>
           <a:p>
             <a:pPr marL="0" indent="0">
@@ -4788,10 +4840,14 @@
           <a:lstStyle/>
           <a:p>
             <a:r>
-              <a:rPr lang="da-DK" smtClean="0"/>
-              <a:t>Unit Test projekt</a:t>
-            </a:r>
-            <a:endParaRPr lang="da-DK"/>
+              <a:rPr lang="da-DK" b="1" smtClean="0"/>
+              <a:t>Unit Test </a:t>
+            </a:r>
+            <a:r>
+              <a:rPr lang="da-DK" b="1" smtClean="0"/>
+              <a:t>project</a:t>
+            </a:r>
+            <a:endParaRPr lang="da-DK" b="1"/>
           </a:p>
         </p:txBody>
       </p:sp>
@@ -4812,7 +4868,7 @@
           <a:p>
             <a:r>
               <a:rPr lang="da-DK" smtClean="0"/>
-              <a:t>Tilføjes til samme </a:t>
+              <a:t>Add to same </a:t>
             </a:r>
             <a:r>
               <a:rPr lang="da-DK" i="1" smtClean="0"/>
@@ -4820,13 +4876,18 @@
             </a:r>
             <a:r>
               <a:rPr lang="da-DK" smtClean="0"/>
-              <a:t> som projektet der testes</a:t>
-            </a:r>
-          </a:p>
-          <a:p>
-            <a:r>
-              <a:rPr lang="da-DK" smtClean="0"/>
-              <a:t>Har typen </a:t>
+              <a:t> </a:t>
+            </a:r>
+            <a:r>
+              <a:rPr lang="da-DK" smtClean="0"/>
+              <a:t>as project under test</a:t>
+            </a:r>
+            <a:endParaRPr lang="da-DK" smtClean="0"/>
+          </a:p>
+          <a:p>
+            <a:r>
+              <a:rPr lang="da-DK" smtClean="0"/>
+              <a:t>Type of project is </a:t>
             </a:r>
             <a:r>
               <a:rPr lang="da-DK" i="1" smtClean="0"/>
@@ -4836,7 +4897,17 @@
           <a:p>
             <a:r>
               <a:rPr lang="da-DK" smtClean="0"/>
-              <a:t>Navn: valgfrit: f.eks. </a:t>
+              <a:t>Name: up to you </a:t>
+            </a:r>
+            <a:r>
+              <a:rPr lang="da-DK" smtClean="0">
+                <a:sym typeface="Wingdings" panose="05000000000000000000" pitchFamily="2" charset="2"/>
+              </a:rPr>
+              <a:t>. E.g.</a:t>
+            </a:r>
+            <a:r>
+              <a:rPr lang="da-DK" smtClean="0"/>
+              <a:t> </a:t>
             </a:r>
             <a:r>
               <a:rPr lang="da-DK" b="1" smtClean="0"/>
@@ -4977,7 +5048,7 @@
         <p:spPr>
           <a:xfrm>
             <a:off x="5516480" y="210552"/>
-            <a:ext cx="4108784" cy="1215189"/>
+            <a:ext cx="3729788" cy="1215189"/>
           </a:xfrm>
           <a:prstGeom prst="wedgeRoundRectCallout">
             <a:avLst>
@@ -5010,7 +5081,15 @@
             <a:pPr algn="ctr"/>
             <a:r>
               <a:rPr lang="da-DK" sz="2800" smtClean="0"/>
-              <a:t>”Denne klasse indeholder Unit Test metoder”</a:t>
+              <a:t>”This class contains Unit </a:t>
+            </a:r>
+            <a:r>
+              <a:rPr lang="da-DK" sz="2800" smtClean="0"/>
+              <a:t>Test </a:t>
+            </a:r>
+            <a:r>
+              <a:rPr lang="da-DK" sz="2800" smtClean="0"/>
+              <a:t>methods”</a:t>
             </a:r>
             <a:endParaRPr lang="da-DK" sz="2800"/>
           </a:p>
@@ -5025,7 +5104,7 @@
         <p:spPr>
           <a:xfrm>
             <a:off x="5295901" y="4116805"/>
-            <a:ext cx="4108784" cy="1215189"/>
+            <a:ext cx="3463088" cy="1215189"/>
           </a:xfrm>
           <a:prstGeom prst="wedgeRoundRectCallout">
             <a:avLst>
@@ -5058,7 +5137,15 @@
             <a:pPr algn="ctr"/>
             <a:r>
               <a:rPr lang="da-DK" sz="2800" smtClean="0"/>
-              <a:t>”Denne metode er en Unit Test metode”</a:t>
+              <a:t>”This method is a Unit </a:t>
+            </a:r>
+            <a:r>
+              <a:rPr lang="da-DK" sz="2800" smtClean="0"/>
+              <a:t>Test </a:t>
+            </a:r>
+            <a:r>
+              <a:rPr lang="da-DK" sz="2800"/>
+              <a:t>method”</a:t>
             </a:r>
             <a:endParaRPr lang="da-DK" sz="2800"/>
           </a:p>
@@ -5135,11 +5222,11 @@
   <p:clrMapOvr>
     <a:masterClrMapping/>
   </p:clrMapOvr>
-  <mc:AlternateContent xmlns:mc="http://schemas.openxmlformats.org/markup-compatibility/2006">
-    <mc:Choice xmlns:p14="http://schemas.microsoft.com/office/powerpoint/2010/main" Requires="p14">
+  <mc:AlternateContent xmlns:mc="http://schemas.openxmlformats.org/markup-compatibility/2006" xmlns:p14="http://schemas.microsoft.com/office/powerpoint/2010/main">
+    <mc:Choice Requires="p14">
       <p:transition p14:dur="0"/>
     </mc:Choice>
-    <mc:Fallback>
+    <mc:Fallback xmlns="">
       <p:transition/>
     </mc:Fallback>
   </mc:AlternateContent>
@@ -5204,11 +5291,11 @@
   <p:clrMapOvr>
     <a:masterClrMapping/>
   </p:clrMapOvr>
-  <mc:AlternateContent xmlns:mc="http://schemas.openxmlformats.org/markup-compatibility/2006">
-    <mc:Choice xmlns:p14="http://schemas.microsoft.com/office/powerpoint/2010/main" Requires="p14">
+  <mc:AlternateContent xmlns:mc="http://schemas.openxmlformats.org/markup-compatibility/2006" xmlns:p14="http://schemas.microsoft.com/office/powerpoint/2010/main">
+    <mc:Choice Requires="p14">
       <p:transition p14:dur="0"/>
     </mc:Choice>
-    <mc:Fallback>
+    <mc:Fallback xmlns="">
       <p:transition/>
     </mc:Fallback>
   </mc:AlternateContent>
